--- a/Module 2B.pptx
+++ b/Module 2B.pptx
@@ -5,7 +5,7 @@
     <p:sldMasterId id="2147483660" r:id="rId1"/>
   </p:sldMasterIdLst>
   <p:notesMasterIdLst>
-    <p:notesMasterId r:id="rId15"/>
+    <p:notesMasterId r:id="rId31"/>
   </p:notesMasterIdLst>
   <p:sldIdLst>
     <p:sldId id="258" r:id="rId2"/>
@@ -21,6 +21,22 @@
     <p:sldId id="267" r:id="rId12"/>
     <p:sldId id="269" r:id="rId13"/>
     <p:sldId id="270" r:id="rId14"/>
+    <p:sldId id="271" r:id="rId15"/>
+    <p:sldId id="272" r:id="rId16"/>
+    <p:sldId id="273" r:id="rId17"/>
+    <p:sldId id="274" r:id="rId18"/>
+    <p:sldId id="275" r:id="rId19"/>
+    <p:sldId id="276" r:id="rId20"/>
+    <p:sldId id="277" r:id="rId21"/>
+    <p:sldId id="278" r:id="rId22"/>
+    <p:sldId id="279" r:id="rId23"/>
+    <p:sldId id="280" r:id="rId24"/>
+    <p:sldId id="281" r:id="rId25"/>
+    <p:sldId id="282" r:id="rId26"/>
+    <p:sldId id="283" r:id="rId27"/>
+    <p:sldId id="284" r:id="rId28"/>
+    <p:sldId id="285" r:id="rId29"/>
+    <p:sldId id="286" r:id="rId30"/>
   </p:sldIdLst>
   <p:sldSz cx="12192000" cy="6858000"/>
   <p:notesSz cx="6858000" cy="9144000"/>
@@ -209,7 +225,7 @@
           <a:p>
             <a:fld id="{9C8EFA97-6330-4F71-B4BA-CEDDBBC04B33}" type="datetimeFigureOut">
               <a:rPr lang="en-GB" smtClean="0"/>
-              <a:t>08/02/2021</a:t>
+              <a:t>15/02/2021</a:t>
             </a:fld>
             <a:endParaRPr lang="en-GB"/>
           </a:p>
@@ -2159,7 +2175,7 @@
               <a:pPr>
                 <a:defRPr/>
               </a:pPr>
-              <a:t>08/02/2021</a:t>
+              <a:t>15/02/2021</a:t>
             </a:fld>
             <a:endParaRPr lang="en-GB">
               <a:solidFill>
@@ -2438,7 +2454,7 @@
               <a:pPr>
                 <a:defRPr/>
               </a:pPr>
-              <a:t>08/02/2021</a:t>
+              <a:t>15/02/2021</a:t>
             </a:fld>
             <a:endParaRPr lang="en-GB">
               <a:solidFill>
@@ -3404,23 +3420,7 @@
             <a:pPr algn="just"/>
             <a:r>
               <a:rPr lang="en-GB" dirty="0" smtClean="0"/>
-              <a:t>The push instruction copies data from the source address to the </a:t>
-            </a:r>
-            <a:r>
-              <a:rPr lang="en-GB" dirty="0" smtClean="0"/>
-              <a:t>stack(SP- </a:t>
-            </a:r>
-            <a:r>
-              <a:rPr lang="en-GB" dirty="0" smtClean="0"/>
-              <a:t>SP is a special function </a:t>
-            </a:r>
-            <a:r>
-              <a:rPr lang="en-GB" dirty="0" smtClean="0"/>
-              <a:t>register is incremented by one) </a:t>
-            </a:r>
-            <a:r>
-              <a:rPr lang="en-GB" dirty="0" smtClean="0"/>
-              <a:t>e.g. PUSH </a:t>
+              <a:t>The push instruction copies data from the source address to the stack(SP- SP is a special function register is incremented by one) e.g. PUSH </a:t>
             </a:r>
             <a:r>
               <a:rPr lang="en-GB" i="1" dirty="0" smtClean="0"/>
@@ -3431,15 +3431,7 @@
             <a:pPr algn="just"/>
             <a:r>
               <a:rPr lang="en-GB" dirty="0" smtClean="0"/>
-              <a:t>The pop instruction copies data from the stack </a:t>
-            </a:r>
-            <a:r>
-              <a:rPr lang="en-GB" dirty="0" smtClean="0"/>
-              <a:t>(SP is decremented by one) </a:t>
-            </a:r>
-            <a:r>
-              <a:rPr lang="en-GB" dirty="0" smtClean="0"/>
-              <a:t>to the destination address. E.g. POP </a:t>
+              <a:t>The pop instruction copies data from the stack (SP is decremented by one) to the destination address. E.g. POP </a:t>
             </a:r>
             <a:r>
               <a:rPr lang="en-GB" i="1" dirty="0" smtClean="0"/>
@@ -3704,7 +3696,7 @@
           <a:p>
             <a:r>
               <a:rPr lang="en-GB" dirty="0" smtClean="0"/>
-              <a:t>Summary</a:t>
+              <a:t>Boolean (Logical) Operators In 8051</a:t>
             </a:r>
             <a:endParaRPr lang="en-US" dirty="0"/>
           </a:p>
@@ -3712,7 +3704,7 @@
       </p:sp>
       <p:sp>
         <p:nvSpPr>
-          <p:cNvPr id="3" name="Content Placeholder 2"/>
+          <p:cNvPr id="5" name="Content Placeholder 4"/>
           <p:cNvSpPr>
             <a:spLocks noGrp="1"/>
           </p:cNvSpPr>
@@ -3720,19 +3712,747 @@
             <p:ph idx="1"/>
           </p:nvPr>
         </p:nvSpPr>
-        <p:spPr/>
-        <p:txBody>
-          <a:bodyPr/>
+        <p:spPr>
+          <a:xfrm>
+            <a:off x="0" y="1412776"/>
+            <a:ext cx="11713302" cy="4824536"/>
+          </a:xfrm>
+        </p:spPr>
+        <p:txBody>
+          <a:bodyPr>
+            <a:normAutofit lnSpcReduction="10000"/>
+          </a:bodyPr>
           <a:lstStyle/>
           <a:p>
-            <a:endParaRPr lang="en-US"/>
-          </a:p>
-        </p:txBody>
-      </p:sp>
+            <a:pPr algn="just"/>
+            <a:r>
+              <a:rPr lang="en-GB" dirty="0" smtClean="0"/>
+              <a:t>The following Logical opcodes are in use  with the 8051:</a:t>
+            </a:r>
+            <a:r>
+              <a:rPr lang="en-GB" sz="4000" dirty="0"/>
+              <a:t> </a:t>
+            </a:r>
+            <a:endParaRPr lang="en-GB" sz="4000" dirty="0" smtClean="0"/>
+          </a:p>
+          <a:p>
+            <a:pPr algn="just"/>
+            <a:endParaRPr lang="en-GB" sz="4000" dirty="0" smtClean="0"/>
+          </a:p>
+          <a:p>
+            <a:pPr algn="just"/>
+            <a:endParaRPr lang="en-GB" sz="4000" dirty="0"/>
+          </a:p>
+          <a:p>
+            <a:pPr algn="just"/>
+            <a:endParaRPr lang="en-GB" sz="4000" dirty="0" smtClean="0"/>
+          </a:p>
+          <a:p>
+            <a:pPr algn="just"/>
+            <a:r>
+              <a:rPr lang="en-GB" sz="4000" dirty="0" smtClean="0"/>
+              <a:t>This </a:t>
+            </a:r>
+            <a:r>
+              <a:rPr lang="en-GB" sz="4000" dirty="0"/>
+              <a:t>opcodes can operate on two data levels i.e. Bit and Byte level. </a:t>
+            </a:r>
+            <a:endParaRPr lang="en-GB" dirty="0" smtClean="0"/>
+          </a:p>
+          <a:p>
+            <a:pPr algn="just"/>
+            <a:endParaRPr lang="en-US" dirty="0"/>
+          </a:p>
+        </p:txBody>
+      </p:sp>
+      <p:pic>
+        <p:nvPicPr>
+          <p:cNvPr id="6" name="Content Placeholder 3"/>
+          <p:cNvPicPr>
+            <a:picLocks noChangeAspect="1"/>
+          </p:cNvPicPr>
+          <p:nvPr/>
+        </p:nvPicPr>
+        <p:blipFill>
+          <a:blip r:embed="rId2"/>
+          <a:stretch>
+            <a:fillRect/>
+          </a:stretch>
+        </p:blipFill>
+        <p:spPr bwMode="auto">
+          <a:xfrm>
+            <a:off x="2001448" y="2859671"/>
+            <a:ext cx="7113056" cy="1930745"/>
+          </a:xfrm>
+          <a:prstGeom prst="rect">
+            <a:avLst/>
+          </a:prstGeom>
+          <a:solidFill>
+            <a:schemeClr val="bg1"/>
+          </a:solidFill>
+          <a:ln>
+            <a:noFill/>
+          </a:ln>
+          <a:extLst>
+            <a:ext uri="{91240B29-F687-4F45-9708-019B960494DF}">
+              <a14:hiddenLine xmlns:a14="http://schemas.microsoft.com/office/drawing/2010/main" w="9525">
+                <a:solidFill>
+                  <a:srgbClr val="000000"/>
+                </a:solidFill>
+                <a:miter lim="800000"/>
+                <a:headEnd/>
+                <a:tailEnd/>
+              </a14:hiddenLine>
+            </a:ext>
+          </a:extLst>
+        </p:spPr>
+      </p:pic>
     </p:spTree>
     <p:extLst>
       <p:ext uri="{BB962C8B-B14F-4D97-AF65-F5344CB8AC3E}">
         <p14:creationId xmlns:p14="http://schemas.microsoft.com/office/powerpoint/2010/main" val="3269506736"/>
+      </p:ext>
+    </p:extLst>
+  </p:cSld>
+  <p:clrMapOvr>
+    <a:masterClrMapping/>
+  </p:clrMapOvr>
+  <p:timing>
+    <p:tnLst>
+      <p:par>
+        <p:cTn id="1" dur="indefinite" restart="never" nodeType="tmRoot"/>
+      </p:par>
+    </p:tnLst>
+  </p:timing>
+</p:sld>
+</file>
+
+<file path=ppt/slides/slide14.xml><?xml version="1.0" encoding="utf-8"?>
+<p:sld xmlns:a="http://schemas.openxmlformats.org/drawingml/2006/main" xmlns:r="http://schemas.openxmlformats.org/officeDocument/2006/relationships" xmlns:p="http://schemas.openxmlformats.org/presentationml/2006/main">
+  <p:cSld>
+    <p:spTree>
+      <p:nvGrpSpPr>
+        <p:cNvPr id="1" name=""/>
+        <p:cNvGrpSpPr/>
+        <p:nvPr/>
+      </p:nvGrpSpPr>
+      <p:grpSpPr>
+        <a:xfrm>
+          <a:off x="0" y="0"/>
+          <a:ext cx="0" cy="0"/>
+          <a:chOff x="0" y="0"/>
+          <a:chExt cx="0" cy="0"/>
+        </a:xfrm>
+      </p:grpSpPr>
+      <p:sp>
+        <p:nvSpPr>
+          <p:cNvPr id="2" name="Title 1"/>
+          <p:cNvSpPr>
+            <a:spLocks noGrp="1"/>
+          </p:cNvSpPr>
+          <p:nvPr>
+            <p:ph type="title"/>
+          </p:nvPr>
+        </p:nvSpPr>
+        <p:spPr/>
+        <p:txBody>
+          <a:bodyPr/>
+          <a:lstStyle/>
+          <a:p>
+            <a:r>
+              <a:rPr lang="en-GB" dirty="0" smtClean="0"/>
+              <a:t>Rotate Opcodes</a:t>
+            </a:r>
+            <a:endParaRPr lang="en-US" dirty="0"/>
+          </a:p>
+        </p:txBody>
+      </p:sp>
+      <p:sp>
+        <p:nvSpPr>
+          <p:cNvPr id="3" name="Content Placeholder 2"/>
+          <p:cNvSpPr>
+            <a:spLocks noGrp="1"/>
+          </p:cNvSpPr>
+          <p:nvPr>
+            <p:ph idx="1"/>
+          </p:nvPr>
+        </p:nvSpPr>
+        <p:spPr/>
+        <p:txBody>
+          <a:bodyPr/>
+          <a:lstStyle/>
+          <a:p>
+            <a:pPr algn="just"/>
+            <a:r>
+              <a:rPr lang="en-GB" sz="3200" dirty="0" smtClean="0"/>
+              <a:t>There are also auxiliary logical opcodes for rotating byte and the carry flag in the PSW register.</a:t>
+            </a:r>
+          </a:p>
+          <a:p>
+            <a:pPr algn="just"/>
+            <a:endParaRPr lang="en-GB" sz="3200" dirty="0" smtClean="0"/>
+          </a:p>
+          <a:p>
+            <a:pPr algn="just"/>
+            <a:endParaRPr lang="en-US" dirty="0"/>
+          </a:p>
+        </p:txBody>
+      </p:sp>
+      <p:pic>
+        <p:nvPicPr>
+          <p:cNvPr id="5" name="Picture 4"/>
+          <p:cNvPicPr>
+            <a:picLocks noChangeAspect="1"/>
+          </p:cNvPicPr>
+          <p:nvPr/>
+        </p:nvPicPr>
+        <p:blipFill>
+          <a:blip r:embed="rId2"/>
+          <a:stretch>
+            <a:fillRect/>
+          </a:stretch>
+        </p:blipFill>
+        <p:spPr>
+          <a:xfrm>
+            <a:off x="755822" y="3032334"/>
+            <a:ext cx="9981003" cy="3348994"/>
+          </a:xfrm>
+          <a:prstGeom prst="rect">
+            <a:avLst/>
+          </a:prstGeom>
+        </p:spPr>
+      </p:pic>
+    </p:spTree>
+    <p:extLst>
+      <p:ext uri="{BB962C8B-B14F-4D97-AF65-F5344CB8AC3E}">
+        <p14:creationId xmlns:p14="http://schemas.microsoft.com/office/powerpoint/2010/main" val="2733983643"/>
+      </p:ext>
+    </p:extLst>
+  </p:cSld>
+  <p:clrMapOvr>
+    <a:masterClrMapping/>
+  </p:clrMapOvr>
+  <p:timing>
+    <p:tnLst>
+      <p:par>
+        <p:cTn id="1" dur="indefinite" restart="never" nodeType="tmRoot"/>
+      </p:par>
+    </p:tnLst>
+  </p:timing>
+</p:sld>
+</file>
+
+<file path=ppt/slides/slide15.xml><?xml version="1.0" encoding="utf-8"?>
+<p:sld xmlns:a="http://schemas.openxmlformats.org/drawingml/2006/main" xmlns:r="http://schemas.openxmlformats.org/officeDocument/2006/relationships" xmlns:p="http://schemas.openxmlformats.org/presentationml/2006/main">
+  <p:cSld>
+    <p:spTree>
+      <p:nvGrpSpPr>
+        <p:cNvPr id="1" name=""/>
+        <p:cNvGrpSpPr/>
+        <p:nvPr/>
+      </p:nvGrpSpPr>
+      <p:grpSpPr>
+        <a:xfrm>
+          <a:off x="0" y="0"/>
+          <a:ext cx="0" cy="0"/>
+          <a:chOff x="0" y="0"/>
+          <a:chExt cx="0" cy="0"/>
+        </a:xfrm>
+      </p:grpSpPr>
+      <p:sp>
+        <p:nvSpPr>
+          <p:cNvPr id="2" name="Title 1"/>
+          <p:cNvSpPr>
+            <a:spLocks noGrp="1"/>
+          </p:cNvSpPr>
+          <p:nvPr>
+            <p:ph type="title"/>
+          </p:nvPr>
+        </p:nvSpPr>
+        <p:spPr/>
+        <p:txBody>
+          <a:bodyPr/>
+          <a:lstStyle/>
+          <a:p>
+            <a:r>
+              <a:rPr lang="en-GB" dirty="0" smtClean="0"/>
+              <a:t>Program Status Word (Flags)</a:t>
+            </a:r>
+            <a:endParaRPr lang="en-US" dirty="0"/>
+          </a:p>
+        </p:txBody>
+      </p:sp>
+      <p:pic>
+        <p:nvPicPr>
+          <p:cNvPr id="4" name="Content Placeholder 3"/>
+          <p:cNvPicPr>
+            <a:picLocks noGrp="1" noChangeAspect="1"/>
+          </p:cNvPicPr>
+          <p:nvPr>
+            <p:ph idx="1"/>
+          </p:nvPr>
+        </p:nvPicPr>
+        <p:blipFill>
+          <a:blip r:embed="rId2"/>
+          <a:stretch>
+            <a:fillRect/>
+          </a:stretch>
+        </p:blipFill>
+        <p:spPr>
+          <a:xfrm>
+            <a:off x="239713" y="1642348"/>
+            <a:ext cx="11712575" cy="4365466"/>
+          </a:xfrm>
+          <a:prstGeom prst="rect">
+            <a:avLst/>
+          </a:prstGeom>
+        </p:spPr>
+      </p:pic>
+    </p:spTree>
+    <p:extLst>
+      <p:ext uri="{BB962C8B-B14F-4D97-AF65-F5344CB8AC3E}">
+        <p14:creationId xmlns:p14="http://schemas.microsoft.com/office/powerpoint/2010/main" val="1570828785"/>
+      </p:ext>
+    </p:extLst>
+  </p:cSld>
+  <p:clrMapOvr>
+    <a:masterClrMapping/>
+  </p:clrMapOvr>
+  <p:timing>
+    <p:tnLst>
+      <p:par>
+        <p:cTn id="1" dur="indefinite" restart="never" nodeType="tmRoot"/>
+      </p:par>
+    </p:tnLst>
+  </p:timing>
+</p:sld>
+</file>
+
+<file path=ppt/slides/slide16.xml><?xml version="1.0" encoding="utf-8"?>
+<p:sld xmlns:a="http://schemas.openxmlformats.org/drawingml/2006/main" xmlns:r="http://schemas.openxmlformats.org/officeDocument/2006/relationships" xmlns:p="http://schemas.openxmlformats.org/presentationml/2006/main">
+  <p:cSld>
+    <p:spTree>
+      <p:nvGrpSpPr>
+        <p:cNvPr id="1" name=""/>
+        <p:cNvGrpSpPr/>
+        <p:nvPr/>
+      </p:nvGrpSpPr>
+      <p:grpSpPr>
+        <a:xfrm>
+          <a:off x="0" y="0"/>
+          <a:ext cx="0" cy="0"/>
+          <a:chOff x="0" y="0"/>
+          <a:chExt cx="0" cy="0"/>
+        </a:xfrm>
+      </p:grpSpPr>
+      <p:sp>
+        <p:nvSpPr>
+          <p:cNvPr id="2" name="Title 1"/>
+          <p:cNvSpPr>
+            <a:spLocks noGrp="1"/>
+          </p:cNvSpPr>
+          <p:nvPr>
+            <p:ph type="title"/>
+          </p:nvPr>
+        </p:nvSpPr>
+        <p:spPr/>
+        <p:txBody>
+          <a:bodyPr/>
+          <a:lstStyle/>
+          <a:p>
+            <a:r>
+              <a:rPr lang="en-GB" dirty="0" smtClean="0"/>
+              <a:t>Examples of Logical Operation</a:t>
+            </a:r>
+            <a:endParaRPr lang="en-US" dirty="0"/>
+          </a:p>
+        </p:txBody>
+      </p:sp>
+      <p:sp>
+        <p:nvSpPr>
+          <p:cNvPr id="3" name="Content Placeholder 2"/>
+          <p:cNvSpPr>
+            <a:spLocks noGrp="1"/>
+          </p:cNvSpPr>
+          <p:nvPr>
+            <p:ph idx="1"/>
+          </p:nvPr>
+        </p:nvSpPr>
+        <p:spPr/>
+        <p:txBody>
+          <a:bodyPr/>
+          <a:lstStyle/>
+          <a:p>
+            <a:r>
+              <a:rPr lang="en-GB" dirty="0" smtClean="0"/>
+              <a:t>Logical operations can be applied in all four addressing modes:</a:t>
+            </a:r>
+          </a:p>
+          <a:p>
+            <a:endParaRPr lang="en-US" dirty="0"/>
+          </a:p>
+        </p:txBody>
+      </p:sp>
+      <p:pic>
+        <p:nvPicPr>
+          <p:cNvPr id="4" name="Picture 3"/>
+          <p:cNvPicPr>
+            <a:picLocks noChangeAspect="1"/>
+          </p:cNvPicPr>
+          <p:nvPr/>
+        </p:nvPicPr>
+        <p:blipFill>
+          <a:blip r:embed="rId2"/>
+          <a:stretch>
+            <a:fillRect/>
+          </a:stretch>
+        </p:blipFill>
+        <p:spPr>
+          <a:xfrm>
+            <a:off x="929874" y="2730927"/>
+            <a:ext cx="10013429" cy="3506385"/>
+          </a:xfrm>
+          <a:prstGeom prst="rect">
+            <a:avLst/>
+          </a:prstGeom>
+        </p:spPr>
+      </p:pic>
+    </p:spTree>
+    <p:extLst>
+      <p:ext uri="{BB962C8B-B14F-4D97-AF65-F5344CB8AC3E}">
+        <p14:creationId xmlns:p14="http://schemas.microsoft.com/office/powerpoint/2010/main" val="2193792630"/>
+      </p:ext>
+    </p:extLst>
+  </p:cSld>
+  <p:clrMapOvr>
+    <a:masterClrMapping/>
+  </p:clrMapOvr>
+  <p:timing>
+    <p:tnLst>
+      <p:par>
+        <p:cTn id="1" dur="indefinite" restart="never" nodeType="tmRoot"/>
+      </p:par>
+    </p:tnLst>
+  </p:timing>
+</p:sld>
+</file>
+
+<file path=ppt/slides/slide17.xml><?xml version="1.0" encoding="utf-8"?>
+<p:sld xmlns:a="http://schemas.openxmlformats.org/drawingml/2006/main" xmlns:r="http://schemas.openxmlformats.org/officeDocument/2006/relationships" xmlns:p="http://schemas.openxmlformats.org/presentationml/2006/main">
+  <p:cSld>
+    <p:spTree>
+      <p:nvGrpSpPr>
+        <p:cNvPr id="1" name=""/>
+        <p:cNvGrpSpPr/>
+        <p:nvPr/>
+      </p:nvGrpSpPr>
+      <p:grpSpPr>
+        <a:xfrm>
+          <a:off x="0" y="0"/>
+          <a:ext cx="0" cy="0"/>
+          <a:chOff x="0" y="0"/>
+          <a:chExt cx="0" cy="0"/>
+        </a:xfrm>
+      </p:grpSpPr>
+      <p:sp>
+        <p:nvSpPr>
+          <p:cNvPr id="2" name="Title 1"/>
+          <p:cNvSpPr>
+            <a:spLocks noGrp="1"/>
+          </p:cNvSpPr>
+          <p:nvPr>
+            <p:ph type="title"/>
+          </p:nvPr>
+        </p:nvSpPr>
+        <p:spPr/>
+        <p:txBody>
+          <a:bodyPr/>
+          <a:lstStyle/>
+          <a:p>
+            <a:r>
+              <a:rPr lang="en-GB" dirty="0" smtClean="0"/>
+              <a:t>Bit-Level Logical Operations</a:t>
+            </a:r>
+            <a:endParaRPr lang="en-US" dirty="0"/>
+          </a:p>
+        </p:txBody>
+      </p:sp>
+      <p:sp>
+        <p:nvSpPr>
+          <p:cNvPr id="3" name="Content Placeholder 2"/>
+          <p:cNvSpPr>
+            <a:spLocks noGrp="1"/>
+          </p:cNvSpPr>
+          <p:nvPr>
+            <p:ph idx="1"/>
+          </p:nvPr>
+        </p:nvSpPr>
+        <p:spPr/>
+        <p:txBody>
+          <a:bodyPr/>
+          <a:lstStyle/>
+          <a:p>
+            <a:r>
+              <a:rPr lang="en-GB" dirty="0" smtClean="0"/>
+              <a:t>Using certain bit addressable RAM addresses certain bit level logical operations can also be carried out.</a:t>
+            </a:r>
+          </a:p>
+          <a:p>
+            <a:endParaRPr lang="en-US" dirty="0"/>
+          </a:p>
+        </p:txBody>
+      </p:sp>
+      <p:pic>
+        <p:nvPicPr>
+          <p:cNvPr id="4" name="Picture 3"/>
+          <p:cNvPicPr>
+            <a:picLocks noChangeAspect="1"/>
+          </p:cNvPicPr>
+          <p:nvPr/>
+        </p:nvPicPr>
+        <p:blipFill>
+          <a:blip r:embed="rId2"/>
+          <a:stretch>
+            <a:fillRect/>
+          </a:stretch>
+        </p:blipFill>
+        <p:spPr>
+          <a:xfrm>
+            <a:off x="1281951" y="3825044"/>
+            <a:ext cx="8997675" cy="1892978"/>
+          </a:xfrm>
+          <a:prstGeom prst="rect">
+            <a:avLst/>
+          </a:prstGeom>
+        </p:spPr>
+      </p:pic>
+    </p:spTree>
+    <p:extLst>
+      <p:ext uri="{BB962C8B-B14F-4D97-AF65-F5344CB8AC3E}">
+        <p14:creationId xmlns:p14="http://schemas.microsoft.com/office/powerpoint/2010/main" val="1157568900"/>
+      </p:ext>
+    </p:extLst>
+  </p:cSld>
+  <p:clrMapOvr>
+    <a:masterClrMapping/>
+  </p:clrMapOvr>
+  <p:timing>
+    <p:tnLst>
+      <p:par>
+        <p:cTn id="1" dur="indefinite" restart="never" nodeType="tmRoot"/>
+      </p:par>
+    </p:tnLst>
+  </p:timing>
+</p:sld>
+</file>
+
+<file path=ppt/slides/slide18.xml><?xml version="1.0" encoding="utf-8"?>
+<p:sld xmlns:a="http://schemas.openxmlformats.org/drawingml/2006/main" xmlns:r="http://schemas.openxmlformats.org/officeDocument/2006/relationships" xmlns:p="http://schemas.openxmlformats.org/presentationml/2006/main">
+  <p:cSld>
+    <p:spTree>
+      <p:nvGrpSpPr>
+        <p:cNvPr id="1" name=""/>
+        <p:cNvGrpSpPr/>
+        <p:nvPr/>
+      </p:nvGrpSpPr>
+      <p:grpSpPr>
+        <a:xfrm>
+          <a:off x="0" y="0"/>
+          <a:ext cx="0" cy="0"/>
+          <a:chOff x="0" y="0"/>
+          <a:chExt cx="0" cy="0"/>
+        </a:xfrm>
+      </p:grpSpPr>
+      <p:sp>
+        <p:nvSpPr>
+          <p:cNvPr id="2" name="Title 1"/>
+          <p:cNvSpPr>
+            <a:spLocks noGrp="1"/>
+          </p:cNvSpPr>
+          <p:nvPr>
+            <p:ph type="title"/>
+          </p:nvPr>
+        </p:nvSpPr>
+        <p:spPr/>
+        <p:txBody>
+          <a:bodyPr/>
+          <a:lstStyle/>
+          <a:p>
+            <a:r>
+              <a:rPr lang="en-GB" dirty="0" smtClean="0"/>
+              <a:t>Bit addressable SFRs and RAM addresses</a:t>
+            </a:r>
+            <a:endParaRPr lang="en-US" dirty="0"/>
+          </a:p>
+        </p:txBody>
+      </p:sp>
+      <p:pic>
+        <p:nvPicPr>
+          <p:cNvPr id="4" name="Content Placeholder 3"/>
+          <p:cNvPicPr>
+            <a:picLocks noGrp="1" noChangeAspect="1"/>
+          </p:cNvPicPr>
+          <p:nvPr>
+            <p:ph idx="1"/>
+          </p:nvPr>
+        </p:nvPicPr>
+        <p:blipFill>
+          <a:blip r:embed="rId2"/>
+          <a:stretch>
+            <a:fillRect/>
+          </a:stretch>
+        </p:blipFill>
+        <p:spPr>
+          <a:xfrm>
+            <a:off x="239713" y="1778215"/>
+            <a:ext cx="11712575" cy="4093732"/>
+          </a:xfrm>
+          <a:prstGeom prst="rect">
+            <a:avLst/>
+          </a:prstGeom>
+        </p:spPr>
+      </p:pic>
+    </p:spTree>
+    <p:extLst>
+      <p:ext uri="{BB962C8B-B14F-4D97-AF65-F5344CB8AC3E}">
+        <p14:creationId xmlns:p14="http://schemas.microsoft.com/office/powerpoint/2010/main" val="1619407886"/>
+      </p:ext>
+    </p:extLst>
+  </p:cSld>
+  <p:clrMapOvr>
+    <a:masterClrMapping/>
+  </p:clrMapOvr>
+  <p:timing>
+    <p:tnLst>
+      <p:par>
+        <p:cTn id="1" dur="indefinite" restart="never" nodeType="tmRoot"/>
+      </p:par>
+    </p:tnLst>
+  </p:timing>
+</p:sld>
+</file>
+
+<file path=ppt/slides/slide19.xml><?xml version="1.0" encoding="utf-8"?>
+<p:sld xmlns:a="http://schemas.openxmlformats.org/drawingml/2006/main" xmlns:r="http://schemas.openxmlformats.org/officeDocument/2006/relationships" xmlns:p="http://schemas.openxmlformats.org/presentationml/2006/main">
+  <p:cSld>
+    <p:spTree>
+      <p:nvGrpSpPr>
+        <p:cNvPr id="1" name=""/>
+        <p:cNvGrpSpPr/>
+        <p:nvPr/>
+      </p:nvGrpSpPr>
+      <p:grpSpPr>
+        <a:xfrm>
+          <a:off x="0" y="0"/>
+          <a:ext cx="0" cy="0"/>
+          <a:chOff x="0" y="0"/>
+          <a:chExt cx="0" cy="0"/>
+        </a:xfrm>
+      </p:grpSpPr>
+      <p:sp>
+        <p:nvSpPr>
+          <p:cNvPr id="2" name="Title 1"/>
+          <p:cNvSpPr>
+            <a:spLocks noGrp="1"/>
+          </p:cNvSpPr>
+          <p:nvPr>
+            <p:ph type="title"/>
+          </p:nvPr>
+        </p:nvSpPr>
+        <p:spPr/>
+        <p:txBody>
+          <a:bodyPr/>
+          <a:lstStyle/>
+          <a:p>
+            <a:r>
+              <a:rPr lang="en-GB" dirty="0" err="1" smtClean="0"/>
+              <a:t>Arithmetric</a:t>
+            </a:r>
+            <a:r>
+              <a:rPr lang="en-GB" dirty="0" smtClean="0"/>
+              <a:t> Operations </a:t>
+            </a:r>
+            <a:endParaRPr lang="en-US" dirty="0"/>
+          </a:p>
+        </p:txBody>
+      </p:sp>
+      <p:sp>
+        <p:nvSpPr>
+          <p:cNvPr id="3" name="Content Placeholder 2"/>
+          <p:cNvSpPr>
+            <a:spLocks noGrp="1"/>
+          </p:cNvSpPr>
+          <p:nvPr>
+            <p:ph idx="1"/>
+          </p:nvPr>
+        </p:nvSpPr>
+        <p:spPr/>
+        <p:txBody>
+          <a:bodyPr>
+            <a:normAutofit/>
+          </a:bodyPr>
+          <a:lstStyle/>
+          <a:p>
+            <a:r>
+              <a:rPr lang="en-GB" sz="2800" dirty="0" smtClean="0"/>
+              <a:t>24 Arithmetic Opcodes are used with the 8051 microcontroller. They are subdivided into 7 major opcodes namely:</a:t>
+            </a:r>
+            <a:endParaRPr lang="en-US" sz="2800" dirty="0"/>
+          </a:p>
+        </p:txBody>
+      </p:sp>
+      <p:pic>
+        <p:nvPicPr>
+          <p:cNvPr id="4" name="Picture 3"/>
+          <p:cNvPicPr>
+            <a:picLocks noChangeAspect="1"/>
+          </p:cNvPicPr>
+          <p:nvPr/>
+        </p:nvPicPr>
+        <p:blipFill>
+          <a:blip r:embed="rId2"/>
+          <a:stretch>
+            <a:fillRect/>
+          </a:stretch>
+        </p:blipFill>
+        <p:spPr>
+          <a:xfrm>
+            <a:off x="1139001" y="2758483"/>
+            <a:ext cx="8846240" cy="2506692"/>
+          </a:xfrm>
+          <a:prstGeom prst="rect">
+            <a:avLst/>
+          </a:prstGeom>
+        </p:spPr>
+      </p:pic>
+      <p:pic>
+        <p:nvPicPr>
+          <p:cNvPr id="5" name="Picture 4"/>
+          <p:cNvPicPr>
+            <a:picLocks noChangeAspect="1"/>
+          </p:cNvPicPr>
+          <p:nvPr/>
+        </p:nvPicPr>
+        <p:blipFill>
+          <a:blip r:embed="rId3"/>
+          <a:stretch>
+            <a:fillRect/>
+          </a:stretch>
+        </p:blipFill>
+        <p:spPr>
+          <a:xfrm>
+            <a:off x="1139001" y="4925961"/>
+            <a:ext cx="9259404" cy="1311351"/>
+          </a:xfrm>
+          <a:prstGeom prst="rect">
+            <a:avLst/>
+          </a:prstGeom>
+        </p:spPr>
+      </p:pic>
+    </p:spTree>
+    <p:extLst>
+      <p:ext uri="{BB962C8B-B14F-4D97-AF65-F5344CB8AC3E}">
+        <p14:creationId xmlns:p14="http://schemas.microsoft.com/office/powerpoint/2010/main" val="1219063430"/>
       </p:ext>
     </p:extLst>
   </p:cSld>
@@ -3867,6 +4587,981 @@
     <p:extLst>
       <p:ext uri="{BB962C8B-B14F-4D97-AF65-F5344CB8AC3E}">
         <p14:creationId xmlns:p14="http://schemas.microsoft.com/office/powerpoint/2010/main" val="3323729037"/>
+      </p:ext>
+    </p:extLst>
+  </p:cSld>
+  <p:clrMapOvr>
+    <a:masterClrMapping/>
+  </p:clrMapOvr>
+  <p:timing>
+    <p:tnLst>
+      <p:par>
+        <p:cTn id="1" dur="indefinite" restart="never" nodeType="tmRoot"/>
+      </p:par>
+    </p:tnLst>
+  </p:timing>
+</p:sld>
+</file>
+
+<file path=ppt/slides/slide20.xml><?xml version="1.0" encoding="utf-8"?>
+<p:sld xmlns:a="http://schemas.openxmlformats.org/drawingml/2006/main" xmlns:r="http://schemas.openxmlformats.org/officeDocument/2006/relationships" xmlns:p="http://schemas.openxmlformats.org/presentationml/2006/main">
+  <p:cSld>
+    <p:spTree>
+      <p:nvGrpSpPr>
+        <p:cNvPr id="1" name=""/>
+        <p:cNvGrpSpPr/>
+        <p:nvPr/>
+      </p:nvGrpSpPr>
+      <p:grpSpPr>
+        <a:xfrm>
+          <a:off x="0" y="0"/>
+          <a:ext cx="0" cy="0"/>
+          <a:chOff x="0" y="0"/>
+          <a:chExt cx="0" cy="0"/>
+        </a:xfrm>
+      </p:grpSpPr>
+      <p:sp>
+        <p:nvSpPr>
+          <p:cNvPr id="2" name="Title 1"/>
+          <p:cNvSpPr>
+            <a:spLocks noGrp="1"/>
+          </p:cNvSpPr>
+          <p:nvPr>
+            <p:ph type="title"/>
+          </p:nvPr>
+        </p:nvSpPr>
+        <p:spPr/>
+        <p:txBody>
+          <a:bodyPr/>
+          <a:lstStyle/>
+          <a:p>
+            <a:r>
+              <a:rPr lang="en-GB" dirty="0" smtClean="0"/>
+              <a:t>Operations affecting Flags</a:t>
+            </a:r>
+            <a:endParaRPr lang="en-US" dirty="0"/>
+          </a:p>
+        </p:txBody>
+      </p:sp>
+      <p:sp>
+        <p:nvSpPr>
+          <p:cNvPr id="3" name="Content Placeholder 2"/>
+          <p:cNvSpPr>
+            <a:spLocks noGrp="1"/>
+          </p:cNvSpPr>
+          <p:nvPr>
+            <p:ph idx="1"/>
+          </p:nvPr>
+        </p:nvSpPr>
+        <p:spPr/>
+        <p:txBody>
+          <a:bodyPr>
+            <a:normAutofit/>
+          </a:bodyPr>
+          <a:lstStyle/>
+          <a:p>
+            <a:pPr algn="just"/>
+            <a:r>
+              <a:rPr lang="en-GB" sz="2800" dirty="0" smtClean="0"/>
+              <a:t>Three bits of the PSW deal with arithmetic operations. They are the CY, AC and OV Flags.  The following are examples of its modification when arithmetic operations are been performed:</a:t>
+            </a:r>
+          </a:p>
+          <a:p>
+            <a:pPr algn="just"/>
+            <a:endParaRPr lang="en-US" sz="2800" dirty="0"/>
+          </a:p>
+        </p:txBody>
+      </p:sp>
+      <p:pic>
+        <p:nvPicPr>
+          <p:cNvPr id="5" name="Picture 4"/>
+          <p:cNvPicPr>
+            <a:picLocks noChangeAspect="1"/>
+          </p:cNvPicPr>
+          <p:nvPr/>
+        </p:nvPicPr>
+        <p:blipFill>
+          <a:blip r:embed="rId2"/>
+          <a:stretch>
+            <a:fillRect/>
+          </a:stretch>
+        </p:blipFill>
+        <p:spPr>
+          <a:xfrm>
+            <a:off x="3107886" y="2764562"/>
+            <a:ext cx="5490423" cy="4093438"/>
+          </a:xfrm>
+          <a:prstGeom prst="rect">
+            <a:avLst/>
+          </a:prstGeom>
+        </p:spPr>
+      </p:pic>
+    </p:spTree>
+    <p:extLst>
+      <p:ext uri="{BB962C8B-B14F-4D97-AF65-F5344CB8AC3E}">
+        <p14:creationId xmlns:p14="http://schemas.microsoft.com/office/powerpoint/2010/main" val="4231355105"/>
+      </p:ext>
+    </p:extLst>
+  </p:cSld>
+  <p:clrMapOvr>
+    <a:masterClrMapping/>
+  </p:clrMapOvr>
+  <p:timing>
+    <p:tnLst>
+      <p:par>
+        <p:cTn id="1" dur="indefinite" restart="never" nodeType="tmRoot"/>
+      </p:par>
+    </p:tnLst>
+  </p:timing>
+</p:sld>
+</file>
+
+<file path=ppt/slides/slide21.xml><?xml version="1.0" encoding="utf-8"?>
+<p:sld xmlns:a="http://schemas.openxmlformats.org/drawingml/2006/main" xmlns:r="http://schemas.openxmlformats.org/officeDocument/2006/relationships" xmlns:p="http://schemas.openxmlformats.org/presentationml/2006/main">
+  <p:cSld>
+    <p:spTree>
+      <p:nvGrpSpPr>
+        <p:cNvPr id="1" name=""/>
+        <p:cNvGrpSpPr/>
+        <p:nvPr/>
+      </p:nvGrpSpPr>
+      <p:grpSpPr>
+        <a:xfrm>
+          <a:off x="0" y="0"/>
+          <a:ext cx="0" cy="0"/>
+          <a:chOff x="0" y="0"/>
+          <a:chExt cx="0" cy="0"/>
+        </a:xfrm>
+      </p:grpSpPr>
+      <p:sp>
+        <p:nvSpPr>
+          <p:cNvPr id="2" name="Title 1"/>
+          <p:cNvSpPr>
+            <a:spLocks noGrp="1"/>
+          </p:cNvSpPr>
+          <p:nvPr>
+            <p:ph type="title"/>
+          </p:nvPr>
+        </p:nvSpPr>
+        <p:spPr/>
+        <p:txBody>
+          <a:bodyPr/>
+          <a:lstStyle/>
+          <a:p>
+            <a:r>
+              <a:rPr lang="en-GB" dirty="0" smtClean="0"/>
+              <a:t>Signed and Unsigned Additions</a:t>
+            </a:r>
+            <a:endParaRPr lang="en-US" dirty="0"/>
+          </a:p>
+        </p:txBody>
+      </p:sp>
+      <p:sp>
+        <p:nvSpPr>
+          <p:cNvPr id="3" name="Content Placeholder 2"/>
+          <p:cNvSpPr>
+            <a:spLocks noGrp="1"/>
+          </p:cNvSpPr>
+          <p:nvPr>
+            <p:ph idx="1"/>
+          </p:nvPr>
+        </p:nvSpPr>
+        <p:spPr/>
+        <p:txBody>
+          <a:bodyPr>
+            <a:normAutofit lnSpcReduction="10000"/>
+          </a:bodyPr>
+          <a:lstStyle/>
+          <a:p>
+            <a:pPr algn="just"/>
+            <a:r>
+              <a:rPr lang="en-GB" dirty="0" smtClean="0"/>
+              <a:t>All addition operation is done using the A (Accumulator) register.</a:t>
+            </a:r>
+          </a:p>
+          <a:p>
+            <a:pPr algn="just"/>
+            <a:r>
+              <a:rPr lang="en-GB" dirty="0" smtClean="0"/>
+              <a:t>When signed additions are done the MSB (i.e. the 7 bit is used for the sign). A 1 in the MSB indicates a negative number whilst a 0 indicates a positive number.</a:t>
+            </a:r>
+          </a:p>
+          <a:p>
+            <a:pPr algn="just"/>
+            <a:r>
+              <a:rPr lang="en-GB" dirty="0" smtClean="0"/>
+              <a:t>All negative numbers are in 2’s complement form when in operation.</a:t>
+            </a:r>
+            <a:endParaRPr lang="en-US" dirty="0"/>
+          </a:p>
+        </p:txBody>
+      </p:sp>
+    </p:spTree>
+    <p:extLst>
+      <p:ext uri="{BB962C8B-B14F-4D97-AF65-F5344CB8AC3E}">
+        <p14:creationId xmlns:p14="http://schemas.microsoft.com/office/powerpoint/2010/main" val="1154715142"/>
+      </p:ext>
+    </p:extLst>
+  </p:cSld>
+  <p:clrMapOvr>
+    <a:masterClrMapping/>
+  </p:clrMapOvr>
+  <p:timing>
+    <p:tnLst>
+      <p:par>
+        <p:cTn id="1" dur="indefinite" restart="never" nodeType="tmRoot"/>
+      </p:par>
+    </p:tnLst>
+  </p:timing>
+</p:sld>
+</file>
+
+<file path=ppt/slides/slide22.xml><?xml version="1.0" encoding="utf-8"?>
+<p:sld xmlns:a="http://schemas.openxmlformats.org/drawingml/2006/main" xmlns:r="http://schemas.openxmlformats.org/officeDocument/2006/relationships" xmlns:p="http://schemas.openxmlformats.org/presentationml/2006/main">
+  <p:cSld>
+    <p:spTree>
+      <p:nvGrpSpPr>
+        <p:cNvPr id="1" name=""/>
+        <p:cNvGrpSpPr/>
+        <p:nvPr/>
+      </p:nvGrpSpPr>
+      <p:grpSpPr>
+        <a:xfrm>
+          <a:off x="0" y="0"/>
+          <a:ext cx="0" cy="0"/>
+          <a:chOff x="0" y="0"/>
+          <a:chExt cx="0" cy="0"/>
+        </a:xfrm>
+      </p:grpSpPr>
+      <p:sp>
+        <p:nvSpPr>
+          <p:cNvPr id="2" name="Title 1"/>
+          <p:cNvSpPr>
+            <a:spLocks noGrp="1"/>
+          </p:cNvSpPr>
+          <p:nvPr>
+            <p:ph type="title"/>
+          </p:nvPr>
+        </p:nvSpPr>
+        <p:spPr/>
+        <p:txBody>
+          <a:bodyPr/>
+          <a:lstStyle/>
+          <a:p>
+            <a:r>
+              <a:rPr lang="en-GB" dirty="0" smtClean="0"/>
+              <a:t>Jump or Call Operations</a:t>
+            </a:r>
+            <a:endParaRPr lang="en-US" dirty="0"/>
+          </a:p>
+        </p:txBody>
+      </p:sp>
+      <p:sp>
+        <p:nvSpPr>
+          <p:cNvPr id="3" name="Content Placeholder 2"/>
+          <p:cNvSpPr>
+            <a:spLocks noGrp="1"/>
+          </p:cNvSpPr>
+          <p:nvPr>
+            <p:ph idx="1"/>
+          </p:nvPr>
+        </p:nvSpPr>
+        <p:spPr/>
+        <p:txBody>
+          <a:bodyPr>
+            <a:normAutofit fontScale="85000" lnSpcReduction="10000"/>
+          </a:bodyPr>
+          <a:lstStyle/>
+          <a:p>
+            <a:pPr marL="0" indent="0" algn="just">
+              <a:buNone/>
+            </a:pPr>
+            <a:r>
+              <a:rPr lang="en-GB" dirty="0" smtClean="0"/>
+              <a:t>Jumps and calls are used for decision making or Branching when CPU is in operation. Examples include:</a:t>
+            </a:r>
+          </a:p>
+          <a:p>
+            <a:r>
+              <a:rPr lang="en-GB" dirty="0" smtClean="0"/>
+              <a:t>Jump on bit condition</a:t>
+            </a:r>
+          </a:p>
+          <a:p>
+            <a:r>
+              <a:rPr lang="en-GB" dirty="0" smtClean="0"/>
+              <a:t>Call a subroutine</a:t>
+            </a:r>
+          </a:p>
+          <a:p>
+            <a:r>
+              <a:rPr lang="en-GB" dirty="0" smtClean="0"/>
+              <a:t>Decrement a byte and jump on condition value is 0</a:t>
+            </a:r>
+          </a:p>
+          <a:p>
+            <a:r>
+              <a:rPr lang="en-GB" dirty="0" smtClean="0"/>
+              <a:t>Jump unconditionally</a:t>
+            </a:r>
+          </a:p>
+          <a:p>
+            <a:r>
+              <a:rPr lang="en-GB" dirty="0" smtClean="0"/>
+              <a:t>Compare bytes and Jump if equal or not equal</a:t>
+            </a:r>
+          </a:p>
+          <a:p>
+            <a:r>
+              <a:rPr lang="en-GB" dirty="0" smtClean="0"/>
+              <a:t>Return from a subroutine. </a:t>
+            </a:r>
+            <a:endParaRPr lang="en-US" dirty="0"/>
+          </a:p>
+        </p:txBody>
+      </p:sp>
+    </p:spTree>
+    <p:extLst>
+      <p:ext uri="{BB962C8B-B14F-4D97-AF65-F5344CB8AC3E}">
+        <p14:creationId xmlns:p14="http://schemas.microsoft.com/office/powerpoint/2010/main" val="1951929894"/>
+      </p:ext>
+    </p:extLst>
+  </p:cSld>
+  <p:clrMapOvr>
+    <a:masterClrMapping/>
+  </p:clrMapOvr>
+  <p:timing>
+    <p:tnLst>
+      <p:par>
+        <p:cTn id="1" dur="indefinite" restart="never" nodeType="tmRoot"/>
+      </p:par>
+    </p:tnLst>
+  </p:timing>
+</p:sld>
+</file>
+
+<file path=ppt/slides/slide23.xml><?xml version="1.0" encoding="utf-8"?>
+<p:sld xmlns:a="http://schemas.openxmlformats.org/drawingml/2006/main" xmlns:r="http://schemas.openxmlformats.org/officeDocument/2006/relationships" xmlns:p="http://schemas.openxmlformats.org/presentationml/2006/main">
+  <p:cSld>
+    <p:spTree>
+      <p:nvGrpSpPr>
+        <p:cNvPr id="1" name=""/>
+        <p:cNvGrpSpPr/>
+        <p:nvPr/>
+      </p:nvGrpSpPr>
+      <p:grpSpPr>
+        <a:xfrm>
+          <a:off x="0" y="0"/>
+          <a:ext cx="0" cy="0"/>
+          <a:chOff x="0" y="0"/>
+          <a:chExt cx="0" cy="0"/>
+        </a:xfrm>
+      </p:grpSpPr>
+      <p:sp>
+        <p:nvSpPr>
+          <p:cNvPr id="2" name="Title 1"/>
+          <p:cNvSpPr>
+            <a:spLocks noGrp="1"/>
+          </p:cNvSpPr>
+          <p:nvPr>
+            <p:ph type="title"/>
+          </p:nvPr>
+        </p:nvSpPr>
+        <p:spPr/>
+        <p:txBody>
+          <a:bodyPr/>
+          <a:lstStyle/>
+          <a:p>
+            <a:r>
+              <a:rPr lang="en-GB" dirty="0" smtClean="0"/>
+              <a:t>Jump </a:t>
+            </a:r>
+            <a:endParaRPr lang="en-US" dirty="0"/>
+          </a:p>
+        </p:txBody>
+      </p:sp>
+      <p:sp>
+        <p:nvSpPr>
+          <p:cNvPr id="3" name="Content Placeholder 2"/>
+          <p:cNvSpPr>
+            <a:spLocks noGrp="1"/>
+          </p:cNvSpPr>
+          <p:nvPr>
+            <p:ph idx="1"/>
+          </p:nvPr>
+        </p:nvSpPr>
+        <p:spPr/>
+        <p:txBody>
+          <a:bodyPr/>
+          <a:lstStyle/>
+          <a:p>
+            <a:pPr algn="just"/>
+            <a:r>
+              <a:rPr lang="en-GB" dirty="0" smtClean="0"/>
+              <a:t>Jumps replace the value in the PC(Program Counter) with a new value.</a:t>
+            </a:r>
+          </a:p>
+          <a:p>
+            <a:pPr algn="just"/>
+            <a:r>
+              <a:rPr lang="en-GB" dirty="0" smtClean="0"/>
+              <a:t>Jump or calls may have one of three ranges:</a:t>
+            </a:r>
+          </a:p>
+          <a:p>
+            <a:pPr algn="just">
+              <a:buFont typeface="Wingdings" panose="05000000000000000000" pitchFamily="2" charset="2"/>
+              <a:buChar char="ü"/>
+            </a:pPr>
+            <a:r>
+              <a:rPr lang="en-GB" dirty="0" smtClean="0"/>
+              <a:t>Short or relative (-127d - +128d)</a:t>
+            </a:r>
+          </a:p>
+          <a:p>
+            <a:pPr algn="just">
+              <a:buFont typeface="Wingdings" panose="05000000000000000000" pitchFamily="2" charset="2"/>
+              <a:buChar char="ü"/>
+            </a:pPr>
+            <a:r>
+              <a:rPr lang="en-GB" dirty="0" smtClean="0"/>
+              <a:t>Long (0000h – </a:t>
+            </a:r>
+            <a:r>
+              <a:rPr lang="en-GB" dirty="0" err="1" smtClean="0"/>
+              <a:t>FFFFh</a:t>
+            </a:r>
+            <a:r>
+              <a:rPr lang="en-GB" dirty="0" smtClean="0"/>
+              <a:t>)</a:t>
+            </a:r>
+          </a:p>
+          <a:p>
+            <a:pPr algn="just">
+              <a:buFont typeface="Wingdings" panose="05000000000000000000" pitchFamily="2" charset="2"/>
+              <a:buChar char="ü"/>
+            </a:pPr>
+            <a:r>
+              <a:rPr lang="en-GB" dirty="0" smtClean="0"/>
+              <a:t>Absolute (2K byte page)</a:t>
+            </a:r>
+            <a:endParaRPr lang="en-US" dirty="0"/>
+          </a:p>
+        </p:txBody>
+      </p:sp>
+    </p:spTree>
+    <p:extLst>
+      <p:ext uri="{BB962C8B-B14F-4D97-AF65-F5344CB8AC3E}">
+        <p14:creationId xmlns:p14="http://schemas.microsoft.com/office/powerpoint/2010/main" val="2068200354"/>
+      </p:ext>
+    </p:extLst>
+  </p:cSld>
+  <p:clrMapOvr>
+    <a:masterClrMapping/>
+  </p:clrMapOvr>
+  <p:timing>
+    <p:tnLst>
+      <p:par>
+        <p:cTn id="1" dur="indefinite" restart="never" nodeType="tmRoot"/>
+      </p:par>
+    </p:tnLst>
+  </p:timing>
+</p:sld>
+</file>
+
+<file path=ppt/slides/slide24.xml><?xml version="1.0" encoding="utf-8"?>
+<p:sld xmlns:a="http://schemas.openxmlformats.org/drawingml/2006/main" xmlns:r="http://schemas.openxmlformats.org/officeDocument/2006/relationships" xmlns:p="http://schemas.openxmlformats.org/presentationml/2006/main">
+  <p:cSld>
+    <p:spTree>
+      <p:nvGrpSpPr>
+        <p:cNvPr id="1" name=""/>
+        <p:cNvGrpSpPr/>
+        <p:nvPr/>
+      </p:nvGrpSpPr>
+      <p:grpSpPr>
+        <a:xfrm>
+          <a:off x="0" y="0"/>
+          <a:ext cx="0" cy="0"/>
+          <a:chOff x="0" y="0"/>
+          <a:chExt cx="0" cy="0"/>
+        </a:xfrm>
+      </p:grpSpPr>
+      <p:sp>
+        <p:nvSpPr>
+          <p:cNvPr id="2" name="Title 1"/>
+          <p:cNvSpPr>
+            <a:spLocks noGrp="1"/>
+          </p:cNvSpPr>
+          <p:nvPr>
+            <p:ph type="title"/>
+          </p:nvPr>
+        </p:nvSpPr>
+        <p:spPr/>
+        <p:txBody>
+          <a:bodyPr/>
+          <a:lstStyle/>
+          <a:p>
+            <a:r>
+              <a:rPr lang="en-GB" dirty="0" smtClean="0"/>
+              <a:t>Jump Range</a:t>
+            </a:r>
+            <a:endParaRPr lang="en-US" dirty="0"/>
+          </a:p>
+        </p:txBody>
+      </p:sp>
+      <p:pic>
+        <p:nvPicPr>
+          <p:cNvPr id="4" name="Content Placeholder 3"/>
+          <p:cNvPicPr>
+            <a:picLocks noGrp="1" noChangeAspect="1"/>
+          </p:cNvPicPr>
+          <p:nvPr>
+            <p:ph idx="1"/>
+          </p:nvPr>
+        </p:nvPicPr>
+        <p:blipFill>
+          <a:blip r:embed="rId2"/>
+          <a:stretch>
+            <a:fillRect/>
+          </a:stretch>
+        </p:blipFill>
+        <p:spPr>
+          <a:xfrm>
+            <a:off x="3287069" y="1456207"/>
+            <a:ext cx="5134261" cy="5401793"/>
+          </a:xfrm>
+          <a:prstGeom prst="rect">
+            <a:avLst/>
+          </a:prstGeom>
+        </p:spPr>
+      </p:pic>
+    </p:spTree>
+    <p:extLst>
+      <p:ext uri="{BB962C8B-B14F-4D97-AF65-F5344CB8AC3E}">
+        <p14:creationId xmlns:p14="http://schemas.microsoft.com/office/powerpoint/2010/main" val="2717207064"/>
+      </p:ext>
+    </p:extLst>
+  </p:cSld>
+  <p:clrMapOvr>
+    <a:masterClrMapping/>
+  </p:clrMapOvr>
+  <p:timing>
+    <p:tnLst>
+      <p:par>
+        <p:cTn id="1" dur="indefinite" restart="never" nodeType="tmRoot"/>
+      </p:par>
+    </p:tnLst>
+  </p:timing>
+</p:sld>
+</file>
+
+<file path=ppt/slides/slide25.xml><?xml version="1.0" encoding="utf-8"?>
+<p:sld xmlns:a="http://schemas.openxmlformats.org/drawingml/2006/main" xmlns:r="http://schemas.openxmlformats.org/officeDocument/2006/relationships" xmlns:p="http://schemas.openxmlformats.org/presentationml/2006/main">
+  <p:cSld>
+    <p:spTree>
+      <p:nvGrpSpPr>
+        <p:cNvPr id="1" name=""/>
+        <p:cNvGrpSpPr/>
+        <p:nvPr/>
+      </p:nvGrpSpPr>
+      <p:grpSpPr>
+        <a:xfrm>
+          <a:off x="0" y="0"/>
+          <a:ext cx="0" cy="0"/>
+          <a:chOff x="0" y="0"/>
+          <a:chExt cx="0" cy="0"/>
+        </a:xfrm>
+      </p:grpSpPr>
+      <p:sp>
+        <p:nvSpPr>
+          <p:cNvPr id="2" name="Title 1"/>
+          <p:cNvSpPr>
+            <a:spLocks noGrp="1"/>
+          </p:cNvSpPr>
+          <p:nvPr>
+            <p:ph type="title"/>
+          </p:nvPr>
+        </p:nvSpPr>
+        <p:spPr/>
+        <p:txBody>
+          <a:bodyPr/>
+          <a:lstStyle/>
+          <a:p>
+            <a:r>
+              <a:rPr lang="en-GB" dirty="0" smtClean="0"/>
+              <a:t>Bit Jump operation</a:t>
+            </a:r>
+            <a:endParaRPr lang="en-US" dirty="0"/>
+          </a:p>
+        </p:txBody>
+      </p:sp>
+      <p:pic>
+        <p:nvPicPr>
+          <p:cNvPr id="4" name="Content Placeholder 3"/>
+          <p:cNvPicPr>
+            <a:picLocks noGrp="1" noChangeAspect="1"/>
+          </p:cNvPicPr>
+          <p:nvPr>
+            <p:ph idx="1"/>
+          </p:nvPr>
+        </p:nvPicPr>
+        <p:blipFill>
+          <a:blip r:embed="rId2"/>
+          <a:stretch>
+            <a:fillRect/>
+          </a:stretch>
+        </p:blipFill>
+        <p:spPr>
+          <a:xfrm>
+            <a:off x="239713" y="2678859"/>
+            <a:ext cx="11712575" cy="2292445"/>
+          </a:xfrm>
+          <a:prstGeom prst="rect">
+            <a:avLst/>
+          </a:prstGeom>
+        </p:spPr>
+      </p:pic>
+    </p:spTree>
+    <p:extLst>
+      <p:ext uri="{BB962C8B-B14F-4D97-AF65-F5344CB8AC3E}">
+        <p14:creationId xmlns:p14="http://schemas.microsoft.com/office/powerpoint/2010/main" val="2081964729"/>
+      </p:ext>
+    </p:extLst>
+  </p:cSld>
+  <p:clrMapOvr>
+    <a:masterClrMapping/>
+  </p:clrMapOvr>
+  <p:timing>
+    <p:tnLst>
+      <p:par>
+        <p:cTn id="1" dur="indefinite" restart="never" nodeType="tmRoot"/>
+      </p:par>
+    </p:tnLst>
+  </p:timing>
+</p:sld>
+</file>
+
+<file path=ppt/slides/slide26.xml><?xml version="1.0" encoding="utf-8"?>
+<p:sld xmlns:a="http://schemas.openxmlformats.org/drawingml/2006/main" xmlns:r="http://schemas.openxmlformats.org/officeDocument/2006/relationships" xmlns:p="http://schemas.openxmlformats.org/presentationml/2006/main">
+  <p:cSld>
+    <p:spTree>
+      <p:nvGrpSpPr>
+        <p:cNvPr id="1" name=""/>
+        <p:cNvGrpSpPr/>
+        <p:nvPr/>
+      </p:nvGrpSpPr>
+      <p:grpSpPr>
+        <a:xfrm>
+          <a:off x="0" y="0"/>
+          <a:ext cx="0" cy="0"/>
+          <a:chOff x="0" y="0"/>
+          <a:chExt cx="0" cy="0"/>
+        </a:xfrm>
+      </p:grpSpPr>
+      <p:sp>
+        <p:nvSpPr>
+          <p:cNvPr id="2" name="Title 1"/>
+          <p:cNvSpPr>
+            <a:spLocks noGrp="1"/>
+          </p:cNvSpPr>
+          <p:nvPr>
+            <p:ph type="title"/>
+          </p:nvPr>
+        </p:nvSpPr>
+        <p:spPr/>
+        <p:txBody>
+          <a:bodyPr/>
+          <a:lstStyle/>
+          <a:p>
+            <a:r>
+              <a:rPr lang="en-GB" dirty="0" smtClean="0"/>
+              <a:t>Byte Jump Operation</a:t>
+            </a:r>
+            <a:endParaRPr lang="en-US" dirty="0"/>
+          </a:p>
+        </p:txBody>
+      </p:sp>
+      <p:pic>
+        <p:nvPicPr>
+          <p:cNvPr id="4" name="Content Placeholder 3"/>
+          <p:cNvPicPr>
+            <a:picLocks noGrp="1" noChangeAspect="1"/>
+          </p:cNvPicPr>
+          <p:nvPr>
+            <p:ph idx="1"/>
+          </p:nvPr>
+        </p:nvPicPr>
+        <p:blipFill>
+          <a:blip r:embed="rId2"/>
+          <a:stretch>
+            <a:fillRect/>
+          </a:stretch>
+        </p:blipFill>
+        <p:spPr>
+          <a:xfrm>
+            <a:off x="239713" y="2487308"/>
+            <a:ext cx="11712575" cy="2675547"/>
+          </a:xfrm>
+          <a:prstGeom prst="rect">
+            <a:avLst/>
+          </a:prstGeom>
+        </p:spPr>
+      </p:pic>
+    </p:spTree>
+    <p:extLst>
+      <p:ext uri="{BB962C8B-B14F-4D97-AF65-F5344CB8AC3E}">
+        <p14:creationId xmlns:p14="http://schemas.microsoft.com/office/powerpoint/2010/main" val="57208523"/>
+      </p:ext>
+    </p:extLst>
+  </p:cSld>
+  <p:clrMapOvr>
+    <a:masterClrMapping/>
+  </p:clrMapOvr>
+  <p:timing>
+    <p:tnLst>
+      <p:par>
+        <p:cTn id="1" dur="indefinite" restart="never" nodeType="tmRoot"/>
+      </p:par>
+    </p:tnLst>
+  </p:timing>
+</p:sld>
+</file>
+
+<file path=ppt/slides/slide27.xml><?xml version="1.0" encoding="utf-8"?>
+<p:sld xmlns:a="http://schemas.openxmlformats.org/drawingml/2006/main" xmlns:r="http://schemas.openxmlformats.org/officeDocument/2006/relationships" xmlns:p="http://schemas.openxmlformats.org/presentationml/2006/main">
+  <p:cSld>
+    <p:spTree>
+      <p:nvGrpSpPr>
+        <p:cNvPr id="1" name=""/>
+        <p:cNvGrpSpPr/>
+        <p:nvPr/>
+      </p:nvGrpSpPr>
+      <p:grpSpPr>
+        <a:xfrm>
+          <a:off x="0" y="0"/>
+          <a:ext cx="0" cy="0"/>
+          <a:chOff x="0" y="0"/>
+          <a:chExt cx="0" cy="0"/>
+        </a:xfrm>
+      </p:grpSpPr>
+      <p:sp>
+        <p:nvSpPr>
+          <p:cNvPr id="2" name="Title 1"/>
+          <p:cNvSpPr>
+            <a:spLocks noGrp="1"/>
+          </p:cNvSpPr>
+          <p:nvPr>
+            <p:ph type="title"/>
+          </p:nvPr>
+        </p:nvSpPr>
+        <p:spPr/>
+        <p:txBody>
+          <a:bodyPr/>
+          <a:lstStyle/>
+          <a:p>
+            <a:r>
+              <a:rPr lang="en-GB" dirty="0"/>
+              <a:t>Unconditional Jumps</a:t>
+            </a:r>
+            <a:endParaRPr lang="en-US" dirty="0"/>
+          </a:p>
+        </p:txBody>
+      </p:sp>
+      <p:pic>
+        <p:nvPicPr>
+          <p:cNvPr id="4" name="Content Placeholder 3"/>
+          <p:cNvPicPr>
+            <a:picLocks noGrp="1" noChangeAspect="1"/>
+          </p:cNvPicPr>
+          <p:nvPr>
+            <p:ph idx="1"/>
+          </p:nvPr>
+        </p:nvPicPr>
+        <p:blipFill>
+          <a:blip r:embed="rId2"/>
+          <a:stretch>
+            <a:fillRect/>
+          </a:stretch>
+        </p:blipFill>
+        <p:spPr>
+          <a:xfrm>
+            <a:off x="239713" y="2565331"/>
+            <a:ext cx="11712575" cy="2519500"/>
+          </a:xfrm>
+          <a:prstGeom prst="rect">
+            <a:avLst/>
+          </a:prstGeom>
+        </p:spPr>
+      </p:pic>
+    </p:spTree>
+    <p:extLst>
+      <p:ext uri="{BB962C8B-B14F-4D97-AF65-F5344CB8AC3E}">
+        <p14:creationId xmlns:p14="http://schemas.microsoft.com/office/powerpoint/2010/main" val="2444966327"/>
+      </p:ext>
+    </p:extLst>
+  </p:cSld>
+  <p:clrMapOvr>
+    <a:masterClrMapping/>
+  </p:clrMapOvr>
+  <p:timing>
+    <p:tnLst>
+      <p:par>
+        <p:cTn id="1" dur="indefinite" restart="never" nodeType="tmRoot"/>
+      </p:par>
+    </p:tnLst>
+  </p:timing>
+</p:sld>
+</file>
+
+<file path=ppt/slides/slide28.xml><?xml version="1.0" encoding="utf-8"?>
+<p:sld xmlns:a="http://schemas.openxmlformats.org/drawingml/2006/main" xmlns:r="http://schemas.openxmlformats.org/officeDocument/2006/relationships" xmlns:p="http://schemas.openxmlformats.org/presentationml/2006/main">
+  <p:cSld>
+    <p:spTree>
+      <p:nvGrpSpPr>
+        <p:cNvPr id="1" name=""/>
+        <p:cNvGrpSpPr/>
+        <p:nvPr/>
+      </p:nvGrpSpPr>
+      <p:grpSpPr>
+        <a:xfrm>
+          <a:off x="0" y="0"/>
+          <a:ext cx="0" cy="0"/>
+          <a:chOff x="0" y="0"/>
+          <a:chExt cx="0" cy="0"/>
+        </a:xfrm>
+      </p:grpSpPr>
+      <p:sp>
+        <p:nvSpPr>
+          <p:cNvPr id="2" name="Title 1"/>
+          <p:cNvSpPr>
+            <a:spLocks noGrp="1"/>
+          </p:cNvSpPr>
+          <p:nvPr>
+            <p:ph type="title"/>
+          </p:nvPr>
+        </p:nvSpPr>
+        <p:spPr/>
+        <p:txBody>
+          <a:bodyPr/>
+          <a:lstStyle/>
+          <a:p>
+            <a:r>
+              <a:rPr lang="en-GB" dirty="0" smtClean="0"/>
+              <a:t>Calls and returns</a:t>
+            </a:r>
+            <a:endParaRPr lang="en-US" dirty="0"/>
+          </a:p>
+        </p:txBody>
+      </p:sp>
+      <p:pic>
+        <p:nvPicPr>
+          <p:cNvPr id="4" name="Content Placeholder 3"/>
+          <p:cNvPicPr>
+            <a:picLocks noGrp="1" noChangeAspect="1"/>
+          </p:cNvPicPr>
+          <p:nvPr>
+            <p:ph idx="1"/>
+          </p:nvPr>
+        </p:nvPicPr>
+        <p:blipFill>
+          <a:blip r:embed="rId2"/>
+          <a:stretch>
+            <a:fillRect/>
+          </a:stretch>
+        </p:blipFill>
+        <p:spPr>
+          <a:xfrm>
+            <a:off x="239713" y="2216086"/>
+            <a:ext cx="11712575" cy="3217991"/>
+          </a:xfrm>
+          <a:prstGeom prst="rect">
+            <a:avLst/>
+          </a:prstGeom>
+        </p:spPr>
+      </p:pic>
+    </p:spTree>
+    <p:extLst>
+      <p:ext uri="{BB962C8B-B14F-4D97-AF65-F5344CB8AC3E}">
+        <p14:creationId xmlns:p14="http://schemas.microsoft.com/office/powerpoint/2010/main" val="258986300"/>
+      </p:ext>
+    </p:extLst>
+  </p:cSld>
+  <p:clrMapOvr>
+    <a:masterClrMapping/>
+  </p:clrMapOvr>
+  <p:timing>
+    <p:tnLst>
+      <p:par>
+        <p:cTn id="1" dur="indefinite" restart="never" nodeType="tmRoot"/>
+      </p:par>
+    </p:tnLst>
+  </p:timing>
+</p:sld>
+</file>
+
+<file path=ppt/slides/slide29.xml><?xml version="1.0" encoding="utf-8"?>
+<p:sld xmlns:a="http://schemas.openxmlformats.org/drawingml/2006/main" xmlns:r="http://schemas.openxmlformats.org/officeDocument/2006/relationships" xmlns:p="http://schemas.openxmlformats.org/presentationml/2006/main">
+  <p:cSld>
+    <p:spTree>
+      <p:nvGrpSpPr>
+        <p:cNvPr id="1" name=""/>
+        <p:cNvGrpSpPr/>
+        <p:nvPr/>
+      </p:nvGrpSpPr>
+      <p:grpSpPr>
+        <a:xfrm>
+          <a:off x="0" y="0"/>
+          <a:ext cx="0" cy="0"/>
+          <a:chOff x="0" y="0"/>
+          <a:chExt cx="0" cy="0"/>
+        </a:xfrm>
+      </p:grpSpPr>
+      <p:sp>
+        <p:nvSpPr>
+          <p:cNvPr id="2" name="Title 1"/>
+          <p:cNvSpPr>
+            <a:spLocks noGrp="1"/>
+          </p:cNvSpPr>
+          <p:nvPr>
+            <p:ph type="title"/>
+          </p:nvPr>
+        </p:nvSpPr>
+        <p:spPr/>
+        <p:txBody>
+          <a:bodyPr/>
+          <a:lstStyle/>
+          <a:p>
+            <a:r>
+              <a:rPr lang="en-GB" dirty="0" smtClean="0"/>
+              <a:t>Summary </a:t>
+            </a:r>
+            <a:endParaRPr lang="en-US" dirty="0"/>
+          </a:p>
+        </p:txBody>
+      </p:sp>
+      <p:sp>
+        <p:nvSpPr>
+          <p:cNvPr id="3" name="Content Placeholder 2"/>
+          <p:cNvSpPr>
+            <a:spLocks noGrp="1"/>
+          </p:cNvSpPr>
+          <p:nvPr>
+            <p:ph idx="1"/>
+          </p:nvPr>
+        </p:nvSpPr>
+        <p:spPr/>
+        <p:txBody>
+          <a:bodyPr/>
+          <a:lstStyle/>
+          <a:p>
+            <a:endParaRPr lang="en-US" dirty="0"/>
+          </a:p>
+        </p:txBody>
+      </p:sp>
+    </p:spTree>
+    <p:extLst>
+      <p:ext uri="{BB962C8B-B14F-4D97-AF65-F5344CB8AC3E}">
+        <p14:creationId xmlns:p14="http://schemas.microsoft.com/office/powerpoint/2010/main" val="537433953"/>
       </p:ext>
     </p:extLst>
   </p:cSld>
@@ -4075,11 +5770,7 @@
             </a:pPr>
             <a:r>
               <a:rPr lang="en-GB" dirty="0" smtClean="0"/>
-              <a:t>There are three main </a:t>
-            </a:r>
-            <a:r>
-              <a:rPr lang="en-GB" dirty="0" err="1" smtClean="0"/>
-              <a:t>opcodes</a:t>
+              <a:t>There are three main opcodes</a:t>
             </a:r>
             <a:r>
               <a:rPr lang="en-GB" dirty="0"/>
